--- a/项目答辩.pptx
+++ b/项目答辩.pptx
@@ -4296,7 +4296,7 @@
         </p:nvSpPr>
         <p:spPr>
           <a:xfrm>
-            <a:off x="5084062" y="1684605"/>
+            <a:off x="4832136" y="1509096"/>
             <a:ext cx="1958223" cy="1688123"/>
           </a:xfrm>
           <a:prstGeom prst="hexagon">
@@ -4373,7 +4373,7 @@
         </p:nvSpPr>
         <p:spPr bwMode="auto">
           <a:xfrm>
-            <a:off x="5548425" y="2105394"/>
+            <a:off x="5296499" y="1929885"/>
             <a:ext cx="1029495" cy="969577"/>
           </a:xfrm>
           <a:custGeom>
@@ -4839,8 +4839,8 @@
         </p:nvSpPr>
         <p:spPr>
           <a:xfrm>
-            <a:off x="4276575" y="3939529"/>
-            <a:ext cx="3573194" cy="830997"/>
+            <a:off x="3191068" y="3528564"/>
+            <a:ext cx="5445095" cy="1077218"/>
           </a:xfrm>
           <a:prstGeom prst="rect">
             <a:avLst/>
@@ -4854,7 +4854,7 @@
           <a:p>
             <a:pPr algn="ctr"/>
             <a:r>
-              <a:rPr lang="zh-CN" altLang="en-US" sz="2400" b="1" dirty="0">
+              <a:rPr lang="zh-CN" altLang="en-US" sz="3200" b="1" dirty="0">
                 <a:solidFill>
                   <a:srgbClr val="EF1D1D"/>
                 </a:solidFill>
@@ -4864,7 +4864,7 @@
               <a:t>基于</a:t>
             </a:r>
             <a:r>
-              <a:rPr lang="en-US" altLang="zh-CN" sz="2400" b="1" dirty="0">
+              <a:rPr lang="en-US" altLang="zh-CN" sz="3200" b="1" dirty="0">
                 <a:solidFill>
                   <a:srgbClr val="EF1D1D"/>
                 </a:solidFill>
@@ -4874,7 +4874,7 @@
               <a:t>OpenMIPS</a:t>
             </a:r>
             <a:r>
-              <a:rPr lang="zh-CN" altLang="en-US" sz="2400" b="1" dirty="0">
+              <a:rPr lang="zh-CN" altLang="en-US" sz="3200" b="1" dirty="0">
                 <a:solidFill>
                   <a:srgbClr val="EF1D1D"/>
                 </a:solidFill>
@@ -4884,7 +4884,7 @@
               <a:t>的五级流水</a:t>
             </a:r>
             <a:r>
-              <a:rPr lang="en-US" altLang="zh-CN" sz="2400" b="1" dirty="0">
+              <a:rPr lang="en-US" altLang="zh-CN" sz="3200" b="1" dirty="0">
                 <a:solidFill>
                   <a:srgbClr val="EF1D1D"/>
                 </a:solidFill>
@@ -4894,7 +4894,7 @@
               <a:t>CPU</a:t>
             </a:r>
             <a:r>
-              <a:rPr lang="zh-CN" altLang="en-US" sz="2400" b="1" dirty="0">
+              <a:rPr lang="zh-CN" altLang="en-US" sz="3200" b="1" dirty="0">
                 <a:solidFill>
                   <a:srgbClr val="EF1D1D"/>
                 </a:solidFill>
@@ -5679,7 +5679,15 @@
             </a:r>
             <a:r>
               <a:rPr lang="zh-CN" altLang="zh-CN" dirty="0"/>
-              <a:t>）流水线的数据相关问题：正是因为在流水线的结构中指令并行执行，当多条邻近的指令需要对同一数据进行读或写操作（例如“读后写”、“写后读”、“写后写”），这将导致读写数据的不正确。针对该问题，我们通过</a:t>
+              <a:t>）流水线的数据相关问题：正是因为在流水线的结构中指令并行执行，当多条邻近的指令需要对同一</a:t>
+            </a:r>
+            <a:r>
+              <a:rPr lang="zh-CN" altLang="en-US" dirty="0"/>
+              <a:t>寄存器</a:t>
+            </a:r>
+            <a:r>
+              <a:rPr lang="zh-CN" altLang="zh-CN" dirty="0"/>
+              <a:t>数据进行读或写操作（例如“读后写”、“写后读”、“写后写”），这将导致读写数据的不正确。针对该问题，我们通过</a:t>
             </a:r>
             <a:r>
               <a:rPr lang="en-US" altLang="zh-CN" dirty="0"/>
@@ -5716,7 +5724,15 @@
             </a:r>
             <a:r>
               <a:rPr lang="zh-CN" altLang="zh-CN" dirty="0"/>
-              <a:t>处理器实现的异常情况有硬件复位、中断（包含软中断、硬中断）、</a:t>
+              <a:t>处理器实现的异常情况有硬件复位、中断（包含软中断、硬中断</a:t>
+            </a:r>
+            <a:r>
+              <a:rPr lang="zh-CN" altLang="en-US" dirty="0"/>
+              <a:t>、内中断和外中断</a:t>
+            </a:r>
+            <a:r>
+              <a:rPr lang="zh-CN" altLang="zh-CN" dirty="0"/>
+              <a:t>）、</a:t>
             </a:r>
             <a:r>
               <a:rPr lang="en-US" altLang="zh-CN" dirty="0" err="1"/>
@@ -8706,15 +8722,15 @@
             </a:r>
             <a:r>
               <a:rPr lang="zh-CN" altLang="zh-CN" dirty="0"/>
-              <a:t>处理器采用哈佛结构，使用分开的数据、指令接口。如下图</a:t>
+              <a:t>处理器采用哈佛结构</a:t>
             </a:r>
             <a:r>
-              <a:rPr lang="en-US" altLang="zh-CN" dirty="0"/>
-              <a:t>,</a:t>
+              <a:rPr lang="zh-CN" altLang="en-US" dirty="0"/>
+              <a:t>（指令存储和数据存储分开）</a:t>
             </a:r>
             <a:r>
               <a:rPr lang="zh-CN" altLang="zh-CN" dirty="0"/>
-              <a:t>为了将</a:t>
+              <a:t>，使用分开的数据、指令接口。为了将</a:t>
             </a:r>
             <a:r>
               <a:rPr lang="en-US" altLang="zh-CN" dirty="0" err="1"/>
@@ -26090,7 +26106,7 @@
                 <a:latin typeface="微软雅黑" panose="020B0503020204020204" pitchFamily="34" charset="-122"/>
                 <a:ea typeface="微软雅黑" panose="020B0503020204020204" pitchFamily="34" charset="-122"/>
               </a:rPr>
-              <a:t>等企业的技术垄断下，我国芯片领域很长时间内无法有长足进步，“中兴事件”就暴露了我国芯片技术受制于人的现实。中国拥有高性能、具有自主知识产权的</a:t>
+              <a:t>等企业的技术垄断下，我国芯片领域很长时间内无法有长足进步，之前的中兴和最近的华为就暴露了我国芯片技术受制于人的现实。中国拥有高性能、具有自主知识产权的</a:t>
             </a:r>
             <a:r>
               <a:rPr lang="en-US" altLang="zh-CN" sz="1600" dirty="0">
@@ -27006,126 +27022,6 @@
       </p:grpSp>
       <p:sp>
         <p:nvSpPr>
-          <p:cNvPr id="24" name="椭圆 23"/>
-          <p:cNvSpPr/>
-          <p:nvPr/>
-        </p:nvSpPr>
-        <p:spPr>
-          <a:xfrm>
-            <a:off x="7772067" y="1182435"/>
-            <a:ext cx="419307" cy="419307"/>
-          </a:xfrm>
-          <a:prstGeom prst="ellipse">
-            <a:avLst/>
-          </a:prstGeom>
-          <a:gradFill>
-            <a:gsLst>
-              <a:gs pos="70000">
-                <a:schemeClr val="bg2"/>
-              </a:gs>
-              <a:gs pos="0">
-                <a:schemeClr val="bg1"/>
-              </a:gs>
-            </a:gsLst>
-            <a:lin ang="2700000" scaled="0"/>
-          </a:gradFill>
-          <a:ln w="34925">
-            <a:gradFill>
-              <a:gsLst>
-                <a:gs pos="0">
-                  <a:schemeClr val="accent1">
-                    <a:lumMod val="5000"/>
-                    <a:lumOff val="95000"/>
-                  </a:schemeClr>
-                </a:gs>
-                <a:gs pos="100000">
-                  <a:schemeClr val="bg2"/>
-                </a:gs>
-              </a:gsLst>
-              <a:lin ang="2700000" scaled="0"/>
-            </a:gradFill>
-          </a:ln>
-          <a:effectLst>
-            <a:outerShdw blurRad="139700" dist="50800" dir="2700000" algn="tl" rotWithShape="0">
-              <a:prstClr val="black">
-                <a:alpha val="54000"/>
-              </a:prstClr>
-            </a:outerShdw>
-          </a:effectLst>
-        </p:spPr>
-        <p:style>
-          <a:lnRef idx="2">
-            <a:schemeClr val="accent1">
-              <a:shade val="50000"/>
-            </a:schemeClr>
-          </a:lnRef>
-          <a:fillRef idx="1">
-            <a:schemeClr val="accent1"/>
-          </a:fillRef>
-          <a:effectRef idx="0">
-            <a:schemeClr val="accent1"/>
-          </a:effectRef>
-          <a:fontRef idx="minor">
-            <a:schemeClr val="lt1"/>
-          </a:fontRef>
-        </p:style>
-        <p:txBody>
-          <a:bodyPr rtlCol="0" anchor="ctr"/>
-          <a:lstStyle/>
-          <a:p>
-            <a:pPr algn="ctr"/>
-            <a:endParaRPr lang="zh-CN" altLang="en-US"/>
-          </a:p>
-        </p:txBody>
-      </p:sp>
-      <p:sp>
-        <p:nvSpPr>
-          <p:cNvPr id="25" name="圆角矩形 24"/>
-          <p:cNvSpPr/>
-          <p:nvPr/>
-        </p:nvSpPr>
-        <p:spPr>
-          <a:xfrm>
-            <a:off x="7620054" y="1030422"/>
-            <a:ext cx="723332" cy="723332"/>
-          </a:xfrm>
-          <a:prstGeom prst="roundRect">
-            <a:avLst/>
-          </a:prstGeom>
-          <a:noFill/>
-          <a:ln w="28575">
-            <a:solidFill>
-              <a:srgbClr val="EF1D1D"/>
-            </a:solidFill>
-          </a:ln>
-        </p:spPr>
-        <p:style>
-          <a:lnRef idx="2">
-            <a:schemeClr val="accent1">
-              <a:shade val="50000"/>
-            </a:schemeClr>
-          </a:lnRef>
-          <a:fillRef idx="1">
-            <a:schemeClr val="accent1"/>
-          </a:fillRef>
-          <a:effectRef idx="0">
-            <a:schemeClr val="accent1"/>
-          </a:effectRef>
-          <a:fontRef idx="minor">
-            <a:schemeClr val="lt1"/>
-          </a:fontRef>
-        </p:style>
-        <p:txBody>
-          <a:bodyPr rtlCol="0" anchor="ctr"/>
-          <a:lstStyle/>
-          <a:p>
-            <a:pPr algn="ctr"/>
-            <a:endParaRPr lang="zh-CN" altLang="en-US"/>
-          </a:p>
-        </p:txBody>
-      </p:sp>
-      <p:sp>
-        <p:nvSpPr>
           <p:cNvPr id="27" name="椭圆 26"/>
           <p:cNvSpPr/>
           <p:nvPr/>
@@ -27557,7 +27453,7 @@
         </p:nvSpPr>
         <p:spPr>
           <a:xfrm>
-            <a:off x="4054242" y="4140457"/>
+            <a:off x="4223926" y="4148153"/>
             <a:ext cx="1729961" cy="400110"/>
           </a:xfrm>
           <a:prstGeom prst="rect">
@@ -27647,59 +27543,200 @@
           </a:p>
         </p:txBody>
       </p:sp>
-      <p:sp>
-        <p:nvSpPr>
-          <p:cNvPr id="44" name="椭圆 43"/>
-          <p:cNvSpPr/>
+      <p:grpSp>
+        <p:nvGrpSpPr>
+          <p:cNvPr id="13" name="组合 12">
+            <a:extLst>
+              <a:ext uri="{FF2B5EF4-FFF2-40B4-BE49-F238E27FC236}">
+                <a16:creationId xmlns:a16="http://schemas.microsoft.com/office/drawing/2014/main" id="{AFC6852D-730E-4D96-BED2-516DCB56AE73}"/>
+              </a:ext>
+            </a:extLst>
+          </p:cNvPr>
+          <p:cNvGrpSpPr/>
           <p:nvPr/>
-        </p:nvSpPr>
-        <p:spPr>
+        </p:nvGrpSpPr>
+        <p:grpSpPr>
           <a:xfrm>
-            <a:off x="7893461" y="1303829"/>
-            <a:ext cx="176518" cy="176518"/>
+            <a:off x="7620054" y="1030422"/>
+            <a:ext cx="723332" cy="723332"/>
+            <a:chOff x="7620054" y="1030422"/>
+            <a:chExt cx="723332" cy="723332"/>
           </a:xfrm>
-          <a:prstGeom prst="ellipse">
-            <a:avLst/>
-          </a:prstGeom>
-          <a:solidFill>
-            <a:srgbClr val="EF1D1D"/>
-          </a:solidFill>
-          <a:ln>
+        </p:grpSpPr>
+        <p:sp>
+          <p:nvSpPr>
+            <p:cNvPr id="24" name="椭圆 23"/>
+            <p:cNvSpPr/>
+            <p:nvPr/>
+          </p:nvSpPr>
+          <p:spPr>
+            <a:xfrm>
+              <a:off x="7772067" y="1182435"/>
+              <a:ext cx="419307" cy="419307"/>
+            </a:xfrm>
+            <a:prstGeom prst="ellipse">
+              <a:avLst/>
+            </a:prstGeom>
+            <a:gradFill>
+              <a:gsLst>
+                <a:gs pos="70000">
+                  <a:schemeClr val="bg2"/>
+                </a:gs>
+                <a:gs pos="0">
+                  <a:schemeClr val="bg1"/>
+                </a:gs>
+              </a:gsLst>
+              <a:lin ang="2700000" scaled="0"/>
+            </a:gradFill>
+            <a:ln w="34925">
+              <a:gradFill>
+                <a:gsLst>
+                  <a:gs pos="0">
+                    <a:schemeClr val="accent1">
+                      <a:lumMod val="5000"/>
+                      <a:lumOff val="95000"/>
+                    </a:schemeClr>
+                  </a:gs>
+                  <a:gs pos="100000">
+                    <a:schemeClr val="bg2"/>
+                  </a:gs>
+                </a:gsLst>
+                <a:lin ang="2700000" scaled="0"/>
+              </a:gradFill>
+            </a:ln>
+            <a:effectLst>
+              <a:outerShdw blurRad="139700" dist="50800" dir="2700000" algn="tl" rotWithShape="0">
+                <a:prstClr val="black">
+                  <a:alpha val="54000"/>
+                </a:prstClr>
+              </a:outerShdw>
+            </a:effectLst>
+          </p:spPr>
+          <p:style>
+            <a:lnRef idx="2">
+              <a:schemeClr val="accent1">
+                <a:shade val="50000"/>
+              </a:schemeClr>
+            </a:lnRef>
+            <a:fillRef idx="1">
+              <a:schemeClr val="accent1"/>
+            </a:fillRef>
+            <a:effectRef idx="0">
+              <a:schemeClr val="accent1"/>
+            </a:effectRef>
+            <a:fontRef idx="minor">
+              <a:schemeClr val="lt1"/>
+            </a:fontRef>
+          </p:style>
+          <p:txBody>
+            <a:bodyPr rtlCol="0" anchor="ctr"/>
+            <a:lstStyle/>
+            <a:p>
+              <a:pPr algn="ctr"/>
+              <a:endParaRPr lang="zh-CN" altLang="en-US"/>
+            </a:p>
+          </p:txBody>
+        </p:sp>
+        <p:sp>
+          <p:nvSpPr>
+            <p:cNvPr id="25" name="圆角矩形 24"/>
+            <p:cNvSpPr/>
+            <p:nvPr/>
+          </p:nvSpPr>
+          <p:spPr>
+            <a:xfrm>
+              <a:off x="7620054" y="1030422"/>
+              <a:ext cx="723332" cy="723332"/>
+            </a:xfrm>
+            <a:prstGeom prst="roundRect">
+              <a:avLst/>
+            </a:prstGeom>
             <a:noFill/>
-          </a:ln>
-          <a:effectLst>
-            <a:innerShdw blurRad="38100" dist="50800" dir="13500000">
-              <a:prstClr val="black">
-                <a:alpha val="58000"/>
-              </a:prstClr>
-            </a:innerShdw>
-          </a:effectLst>
-        </p:spPr>
-        <p:style>
-          <a:lnRef idx="2">
-            <a:schemeClr val="accent1">
-              <a:shade val="50000"/>
-            </a:schemeClr>
-          </a:lnRef>
-          <a:fillRef idx="1">
-            <a:schemeClr val="accent1"/>
-          </a:fillRef>
-          <a:effectRef idx="0">
-            <a:schemeClr val="accent1"/>
-          </a:effectRef>
-          <a:fontRef idx="minor">
-            <a:schemeClr val="lt1"/>
-          </a:fontRef>
-        </p:style>
-        <p:txBody>
-          <a:bodyPr rtlCol="0" anchor="ctr"/>
-          <a:lstStyle/>
-          <a:p>
-            <a:pPr algn="ctr"/>
-            <a:endParaRPr lang="zh-CN" altLang="en-US"/>
-          </a:p>
-        </p:txBody>
-      </p:sp>
+            <a:ln w="28575">
+              <a:solidFill>
+                <a:srgbClr val="EF1D1D"/>
+              </a:solidFill>
+            </a:ln>
+          </p:spPr>
+          <p:style>
+            <a:lnRef idx="2">
+              <a:schemeClr val="accent1">
+                <a:shade val="50000"/>
+              </a:schemeClr>
+            </a:lnRef>
+            <a:fillRef idx="1">
+              <a:schemeClr val="accent1"/>
+            </a:fillRef>
+            <a:effectRef idx="0">
+              <a:schemeClr val="accent1"/>
+            </a:effectRef>
+            <a:fontRef idx="minor">
+              <a:schemeClr val="lt1"/>
+            </a:fontRef>
+          </p:style>
+          <p:txBody>
+            <a:bodyPr rtlCol="0" anchor="ctr"/>
+            <a:lstStyle/>
+            <a:p>
+              <a:pPr algn="ctr"/>
+              <a:endParaRPr lang="zh-CN" altLang="en-US"/>
+            </a:p>
+          </p:txBody>
+        </p:sp>
+        <p:sp>
+          <p:nvSpPr>
+            <p:cNvPr id="44" name="椭圆 43"/>
+            <p:cNvSpPr/>
+            <p:nvPr/>
+          </p:nvSpPr>
+          <p:spPr>
+            <a:xfrm>
+              <a:off x="7893461" y="1303829"/>
+              <a:ext cx="176518" cy="176518"/>
+            </a:xfrm>
+            <a:prstGeom prst="ellipse">
+              <a:avLst/>
+            </a:prstGeom>
+            <a:solidFill>
+              <a:srgbClr val="EF1D1D"/>
+            </a:solidFill>
+            <a:ln>
+              <a:noFill/>
+            </a:ln>
+            <a:effectLst>
+              <a:innerShdw blurRad="38100" dist="50800" dir="13500000">
+                <a:prstClr val="black">
+                  <a:alpha val="58000"/>
+                </a:prstClr>
+              </a:innerShdw>
+            </a:effectLst>
+          </p:spPr>
+          <p:style>
+            <a:lnRef idx="2">
+              <a:schemeClr val="accent1">
+                <a:shade val="50000"/>
+              </a:schemeClr>
+            </a:lnRef>
+            <a:fillRef idx="1">
+              <a:schemeClr val="accent1"/>
+            </a:fillRef>
+            <a:effectRef idx="0">
+              <a:schemeClr val="accent1"/>
+            </a:effectRef>
+            <a:fontRef idx="minor">
+              <a:schemeClr val="lt1"/>
+            </a:fontRef>
+          </p:style>
+          <p:txBody>
+            <a:bodyPr rtlCol="0" anchor="ctr"/>
+            <a:lstStyle/>
+            <a:p>
+              <a:pPr algn="ctr"/>
+              <a:endParaRPr lang="zh-CN" altLang="en-US"/>
+            </a:p>
+          </p:txBody>
+        </p:sp>
+      </p:grpSp>
       <p:sp>
         <p:nvSpPr>
           <p:cNvPr id="45" name="椭圆 44"/>
@@ -27767,7 +27804,7 @@
         </p:nvSpPr>
         <p:spPr>
           <a:xfrm>
-            <a:off x="7260827" y="4281161"/>
+            <a:off x="7834523" y="4290567"/>
             <a:ext cx="419307" cy="419307"/>
           </a:xfrm>
           <a:prstGeom prst="ellipse">
@@ -27847,7 +27884,7 @@
         </p:nvSpPr>
         <p:spPr>
           <a:xfrm>
-            <a:off x="7108814" y="4129148"/>
+            <a:off x="7682510" y="4138554"/>
             <a:ext cx="723332" cy="723332"/>
           </a:xfrm>
           <a:prstGeom prst="roundRect">
@@ -27899,7 +27936,7 @@
         </p:nvSpPr>
         <p:spPr>
           <a:xfrm>
-            <a:off x="7995439" y="4401181"/>
+            <a:off x="8569135" y="4410587"/>
             <a:ext cx="2880157" cy="1895519"/>
           </a:xfrm>
           <a:prstGeom prst="rect">
@@ -27956,7 +27993,7 @@
         </p:nvSpPr>
         <p:spPr>
           <a:xfrm>
-            <a:off x="7384869" y="4403125"/>
+            <a:off x="7958565" y="4412531"/>
             <a:ext cx="176518" cy="176518"/>
           </a:xfrm>
           <a:prstGeom prst="ellipse">
@@ -28015,7 +28052,7 @@
         </p:nvSpPr>
         <p:spPr>
           <a:xfrm>
-            <a:off x="7893461" y="4081106"/>
+            <a:off x="8467157" y="4090512"/>
             <a:ext cx="3525324" cy="400110"/>
           </a:xfrm>
           <a:prstGeom prst="rect">
@@ -43005,7 +43042,7 @@
         <p:spPr>
           <a:xfrm>
             <a:off x="6521228" y="2910697"/>
-            <a:ext cx="3271247" cy="1477328"/>
+            <a:ext cx="4344468" cy="1477328"/>
           </a:xfrm>
           <a:prstGeom prst="rect">
             <a:avLst/>
@@ -43024,7 +43061,18 @@
             </a:r>
             <a:r>
               <a:rPr lang="zh-CN" altLang="zh-CN" dirty="0"/>
-              <a:t>、设计实现了五级流水结构。</a:t>
+              <a:t>、设计实现了五级流水结构</a:t>
+            </a:r>
+            <a:br>
+              <a:rPr lang="en-US" altLang="zh-CN" dirty="0"/>
+            </a:br>
+            <a:r>
+              <a:rPr lang="zh-CN" altLang="en-US" dirty="0"/>
+              <a:t>（取指，译码，执行，访存，回写）</a:t>
+            </a:r>
+            <a:r>
+              <a:rPr lang="zh-CN" altLang="zh-CN" dirty="0"/>
+              <a:t>。</a:t>
             </a:r>
           </a:p>
           <a:p>
@@ -43034,15 +43082,7 @@
             </a:r>
             <a:r>
               <a:rPr lang="zh-CN" altLang="zh-CN" dirty="0"/>
-              <a:t>、采用数据前推技术解决数据</a:t>
-            </a:r>
-            <a:r>
-              <a:rPr lang="en-US" altLang="zh-CN" dirty="0"/>
-              <a:t>       </a:t>
-            </a:r>
-            <a:r>
-              <a:rPr lang="zh-CN" altLang="zh-CN" dirty="0"/>
-              <a:t>相关问题。</a:t>
+              <a:t>、采用数据前推技术解决数据相关问题。</a:t>
             </a:r>
           </a:p>
           <a:p>
